--- a/Apresentação (3).pptx
+++ b/Apresentação (3).pptx
@@ -283,7 +283,7 @@
           <a:p>
             <a:fld id="{D341B595-366B-43E2-A22E-EA6A78C03F06}" type="datetimeFigureOut">
               <a:rPr lang="en-US" smtClean="0"/>
-              <a:t>11/5/2023</a:t>
+              <a:t>11/8/2023</a:t>
             </a:fld>
             <a:endParaRPr lang="en-US"/>
           </a:p>
@@ -481,7 +481,7 @@
           <a:p>
             <a:fld id="{D341B595-366B-43E2-A22E-EA6A78C03F06}" type="datetimeFigureOut">
               <a:rPr lang="en-US" smtClean="0"/>
-              <a:t>11/5/2023</a:t>
+              <a:t>11/8/2023</a:t>
             </a:fld>
             <a:endParaRPr lang="en-US"/>
           </a:p>
@@ -690,7 +690,7 @@
           <a:p>
             <a:fld id="{D341B595-366B-43E2-A22E-EA6A78C03F06}" type="datetimeFigureOut">
               <a:rPr lang="en-US" smtClean="0"/>
-              <a:t>11/5/2023</a:t>
+              <a:t>11/8/2023</a:t>
             </a:fld>
             <a:endParaRPr lang="en-US"/>
           </a:p>
@@ -888,7 +888,7 @@
           <a:p>
             <a:fld id="{D341B595-366B-43E2-A22E-EA6A78C03F06}" type="datetimeFigureOut">
               <a:rPr lang="en-US" smtClean="0"/>
-              <a:t>11/5/2023</a:t>
+              <a:t>11/8/2023</a:t>
             </a:fld>
             <a:endParaRPr lang="en-US"/>
           </a:p>
@@ -1166,7 +1166,7 @@
           <a:p>
             <a:fld id="{D341B595-366B-43E2-A22E-EA6A78C03F06}" type="datetimeFigureOut">
               <a:rPr lang="en-US" smtClean="0"/>
-              <a:t>11/5/2023</a:t>
+              <a:t>11/8/2023</a:t>
             </a:fld>
             <a:endParaRPr lang="en-US"/>
           </a:p>
@@ -1434,7 +1434,7 @@
           <a:p>
             <a:fld id="{D341B595-366B-43E2-A22E-EA6A78C03F06}" type="datetimeFigureOut">
               <a:rPr lang="en-US" smtClean="0"/>
-              <a:t>11/5/2023</a:t>
+              <a:t>11/8/2023</a:t>
             </a:fld>
             <a:endParaRPr lang="en-US"/>
           </a:p>
@@ -1853,7 +1853,7 @@
           <a:p>
             <a:fld id="{D341B595-366B-43E2-A22E-EA6A78C03F06}" type="datetimeFigureOut">
               <a:rPr lang="en-US" smtClean="0"/>
-              <a:t>11/5/2023</a:t>
+              <a:t>11/8/2023</a:t>
             </a:fld>
             <a:endParaRPr lang="en-US"/>
           </a:p>
@@ -1994,7 +1994,7 @@
           <a:p>
             <a:fld id="{D341B595-366B-43E2-A22E-EA6A78C03F06}" type="datetimeFigureOut">
               <a:rPr lang="en-US" smtClean="0"/>
-              <a:t>11/5/2023</a:t>
+              <a:t>11/8/2023</a:t>
             </a:fld>
             <a:endParaRPr lang="en-US"/>
           </a:p>
@@ -2107,7 +2107,7 @@
           <a:p>
             <a:fld id="{D341B595-366B-43E2-A22E-EA6A78C03F06}" type="datetimeFigureOut">
               <a:rPr lang="en-US" smtClean="0"/>
-              <a:t>11/5/2023</a:t>
+              <a:t>11/8/2023</a:t>
             </a:fld>
             <a:endParaRPr lang="en-US"/>
           </a:p>
@@ -2422,7 +2422,7 @@
           <a:p>
             <a:fld id="{D341B595-366B-43E2-A22E-EA6A78C03F06}" type="datetimeFigureOut">
               <a:rPr lang="en-US" smtClean="0"/>
-              <a:t>11/5/2023</a:t>
+              <a:t>11/8/2023</a:t>
             </a:fld>
             <a:endParaRPr lang="en-US"/>
           </a:p>
@@ -2716,7 +2716,7 @@
           <a:p>
             <a:fld id="{D341B595-366B-43E2-A22E-EA6A78C03F06}" type="datetimeFigureOut">
               <a:rPr lang="en-US" smtClean="0"/>
-              <a:t>11/5/2023</a:t>
+              <a:t>11/8/2023</a:t>
             </a:fld>
             <a:endParaRPr lang="en-US"/>
           </a:p>
@@ -2956,7 +2956,7 @@
           <a:p>
             <a:fld id="{D341B595-366B-43E2-A22E-EA6A78C03F06}" type="datetimeFigureOut">
               <a:rPr lang="en-US" smtClean="0"/>
-              <a:t>11/5/2023</a:t>
+              <a:t>11/8/2023</a:t>
             </a:fld>
             <a:endParaRPr lang="en-US"/>
           </a:p>
@@ -3466,7 +3466,7 @@
                   <a:spcPts val="600"/>
                 </a:spcAft>
               </a:pPr>
-              <a:t>11/5/2023</a:t>
+              <a:t>11/8/2023</a:t>
             </a:fld>
             <a:endParaRPr lang="en-US" dirty="0"/>
           </a:p>
@@ -3814,7 +3814,7 @@
                   <a:spcPts val="600"/>
                 </a:spcAft>
               </a:pPr>
-              <a:t>11/5/2023</a:t>
+              <a:t>11/8/2023</a:t>
             </a:fld>
             <a:endParaRPr lang="en-US" dirty="0"/>
           </a:p>
@@ -3931,7 +3931,7 @@
                   <a:spcPts val="600"/>
                 </a:spcAft>
               </a:pPr>
-              <a:t>11/5/2023</a:t>
+              <a:t>11/8/2023</a:t>
             </a:fld>
             <a:endParaRPr lang="en-US"/>
           </a:p>
@@ -6077,7 +6077,7 @@
                   <a:spcPts val="600"/>
                 </a:spcAft>
               </a:pPr>
-              <a:t>11/5/2023</a:t>
+              <a:t>11/8/2023</a:t>
             </a:fld>
             <a:endParaRPr lang="en-US"/>
           </a:p>
@@ -8945,7 +8945,7 @@
                   <a:spcPts val="600"/>
                 </a:spcAft>
               </a:pPr>
-              <a:t>11/5/2023</a:t>
+              <a:t>11/8/2023</a:t>
             </a:fld>
             <a:endParaRPr lang="en-US"/>
           </a:p>
@@ -9031,8 +9031,8 @@
         </p:blipFill>
         <p:spPr>
           <a:xfrm>
-            <a:off x="8674566" y="1082565"/>
-            <a:ext cx="3040938" cy="5612523"/>
+            <a:off x="8945379" y="1108080"/>
+            <a:ext cx="2484041" cy="5612523"/>
           </a:xfrm>
           <a:prstGeom prst="rect">
             <a:avLst/>
@@ -9166,14 +9166,118 @@
         </p:blipFill>
         <p:spPr>
           <a:xfrm>
-            <a:off x="-5255" y="-4957"/>
-            <a:ext cx="12202509" cy="6867914"/>
+            <a:off x="1371600" y="0"/>
+            <a:ext cx="9448800" cy="6867914"/>
           </a:xfrm>
           <a:prstGeom prst="rect">
             <a:avLst/>
           </a:prstGeom>
         </p:spPr>
       </p:pic>
+      <p:sp>
+        <p:nvSpPr>
+          <p:cNvPr id="2" name="Retângulo 1">
+            <a:extLst>
+              <a:ext uri="{FF2B5EF4-FFF2-40B4-BE49-F238E27FC236}">
+                <a16:creationId xmlns:a16="http://schemas.microsoft.com/office/drawing/2014/main" id="{46504BB7-8FB5-4A4D-B60D-C4D1B2FE12FF}"/>
+              </a:ext>
+            </a:extLst>
+          </p:cNvPr>
+          <p:cNvSpPr/>
+          <p:nvPr/>
+        </p:nvSpPr>
+        <p:spPr>
+          <a:xfrm>
+            <a:off x="0" y="0"/>
+            <a:ext cx="1371600" cy="6867914"/>
+          </a:xfrm>
+          <a:prstGeom prst="rect">
+            <a:avLst/>
+          </a:prstGeom>
+          <a:solidFill>
+            <a:schemeClr val="tx1"/>
+          </a:solidFill>
+          <a:ln>
+            <a:noFill/>
+          </a:ln>
+        </p:spPr>
+        <p:style>
+          <a:lnRef idx="2">
+            <a:schemeClr val="accent1">
+              <a:shade val="50000"/>
+            </a:schemeClr>
+          </a:lnRef>
+          <a:fillRef idx="1">
+            <a:schemeClr val="accent1"/>
+          </a:fillRef>
+          <a:effectRef idx="0">
+            <a:schemeClr val="accent1"/>
+          </a:effectRef>
+          <a:fontRef idx="minor">
+            <a:schemeClr val="lt1"/>
+          </a:fontRef>
+        </p:style>
+        <p:txBody>
+          <a:bodyPr rtlCol="0" anchor="ctr"/>
+          <a:lstStyle/>
+          <a:p>
+            <a:pPr algn="ctr"/>
+            <a:endParaRPr lang="pt-BR"/>
+          </a:p>
+        </p:txBody>
+      </p:sp>
+      <p:sp>
+        <p:nvSpPr>
+          <p:cNvPr id="3" name="Retângulo 2">
+            <a:extLst>
+              <a:ext uri="{FF2B5EF4-FFF2-40B4-BE49-F238E27FC236}">
+                <a16:creationId xmlns:a16="http://schemas.microsoft.com/office/drawing/2014/main" id="{6FD8E39B-6C37-430F-B76E-DB26E84509E6}"/>
+              </a:ext>
+            </a:extLst>
+          </p:cNvPr>
+          <p:cNvSpPr/>
+          <p:nvPr/>
+        </p:nvSpPr>
+        <p:spPr>
+          <a:xfrm>
+            <a:off x="10820400" y="0"/>
+            <a:ext cx="1371600" cy="6867914"/>
+          </a:xfrm>
+          <a:prstGeom prst="rect">
+            <a:avLst/>
+          </a:prstGeom>
+          <a:solidFill>
+            <a:schemeClr val="tx1"/>
+          </a:solidFill>
+          <a:ln>
+            <a:noFill/>
+          </a:ln>
+        </p:spPr>
+        <p:style>
+          <a:lnRef idx="2">
+            <a:schemeClr val="accent1">
+              <a:shade val="50000"/>
+            </a:schemeClr>
+          </a:lnRef>
+          <a:fillRef idx="1">
+            <a:schemeClr val="accent1"/>
+          </a:fillRef>
+          <a:effectRef idx="0">
+            <a:schemeClr val="accent1"/>
+          </a:effectRef>
+          <a:fontRef idx="minor">
+            <a:schemeClr val="lt1"/>
+          </a:fontRef>
+        </p:style>
+        <p:txBody>
+          <a:bodyPr rtlCol="0" anchor="ctr"/>
+          <a:lstStyle/>
+          <a:p>
+            <a:pPr algn="ctr"/>
+            <a:endParaRPr lang="pt-BR"/>
+          </a:p>
+        </p:txBody>
+      </p:sp>
     </p:spTree>
     <p:extLst>
       <p:ext uri="{BB962C8B-B14F-4D97-AF65-F5344CB8AC3E}">
@@ -9476,7 +9580,7 @@
               <a:t> </a:t>
             </a:r>
             <a:r>
-              <a:rPr lang="en-US" sz="1600" err="1">
+              <a:rPr lang="en-US" sz="1600" dirty="0" err="1">
                 <a:ea typeface="+mn-lt"/>
                 <a:cs typeface="+mn-lt"/>
               </a:rPr>
@@ -9490,7 +9594,7 @@
               <a:t> que </a:t>
             </a:r>
             <a:r>
-              <a:rPr lang="en-US" sz="1600" err="1">
+              <a:rPr lang="en-US" sz="1600" dirty="0" err="1">
                 <a:ea typeface="+mn-lt"/>
                 <a:cs typeface="+mn-lt"/>
               </a:rPr>
@@ -9504,7 +9608,7 @@
               <a:t> dados </a:t>
             </a:r>
             <a:r>
-              <a:rPr lang="en-US" sz="1600" err="1">
+              <a:rPr lang="en-US" sz="1600" dirty="0" err="1">
                 <a:ea typeface="+mn-lt"/>
                 <a:cs typeface="+mn-lt"/>
               </a:rPr>
@@ -9518,7 +9622,7 @@
               <a:t> de </a:t>
             </a:r>
             <a:r>
-              <a:rPr lang="en-US" sz="1600" err="1">
+              <a:rPr lang="en-US" sz="1600" dirty="0" err="1">
                 <a:ea typeface="+mn-lt"/>
                 <a:cs typeface="+mn-lt"/>
               </a:rPr>
@@ -9532,7 +9636,7 @@
               <a:t> </a:t>
             </a:r>
             <a:r>
-              <a:rPr lang="en-US" sz="1600" err="1">
+              <a:rPr lang="en-US" sz="1600" dirty="0" err="1">
                 <a:ea typeface="+mn-lt"/>
                 <a:cs typeface="+mn-lt"/>
               </a:rPr>
@@ -9545,7 +9649,7 @@
               </a:rPr>
               <a:t>.</a:t>
             </a:r>
-            <a:endParaRPr lang="en-US" sz="1600"/>
+            <a:endParaRPr lang="en-US" sz="1600" dirty="0"/>
           </a:p>
           <a:p>
             <a:pPr>
@@ -9581,7 +9685,7 @@
               </a:rPr>
               <a:t>https://www.openstreetmap.org</a:t>
             </a:r>
-            <a:endParaRPr lang="en-US" sz="1600"/>
+            <a:endParaRPr lang="en-US" sz="1600" dirty="0"/>
           </a:p>
           <a:p>
             <a:pPr>
@@ -9590,7 +9694,7 @@
               </a:buClr>
             </a:pPr>
             <a:r>
-              <a:rPr lang="en-US" sz="1600" err="1">
+              <a:rPr lang="en-US" sz="1600" dirty="0" err="1">
                 <a:ea typeface="+mn-lt"/>
                 <a:cs typeface="+mn-lt"/>
               </a:rPr>
@@ -9604,7 +9708,7 @@
               <a:t> JavaScript </a:t>
             </a:r>
             <a:r>
-              <a:rPr lang="en-US" sz="1600" i="1" dirty="0">
+              <a:rPr lang="en-US" sz="1600" b="1" i="1" dirty="0">
                 <a:ea typeface="+mn-lt"/>
                 <a:cs typeface="+mn-lt"/>
               </a:rPr>
@@ -9618,7 +9722,7 @@
               <a:t> que </a:t>
             </a:r>
             <a:r>
-              <a:rPr lang="en-US" sz="1600" err="1">
+              <a:rPr lang="en-US" sz="1600" dirty="0" err="1">
                 <a:ea typeface="+mn-lt"/>
                 <a:cs typeface="+mn-lt"/>
               </a:rPr>
@@ -9632,7 +9736,7 @@
               <a:t> ferramentas para </a:t>
             </a:r>
             <a:r>
-              <a:rPr lang="en-US" sz="1600" err="1">
+              <a:rPr lang="en-US" sz="1600" dirty="0" err="1">
                 <a:ea typeface="+mn-lt"/>
                 <a:cs typeface="+mn-lt"/>
               </a:rPr>
@@ -9646,7 +9750,7 @@
               <a:t> </a:t>
             </a:r>
             <a:r>
-              <a:rPr lang="en-US" sz="1600" err="1">
+              <a:rPr lang="en-US" sz="1600" dirty="0" err="1">
                 <a:ea typeface="+mn-lt"/>
                 <a:cs typeface="+mn-lt"/>
               </a:rPr>
@@ -9660,7 +9764,7 @@
               <a:t> </a:t>
             </a:r>
             <a:r>
-              <a:rPr lang="en-US" sz="1600" err="1">
+              <a:rPr lang="en-US" sz="1600" dirty="0" err="1">
                 <a:ea typeface="+mn-lt"/>
                 <a:cs typeface="+mn-lt"/>
               </a:rPr>
@@ -9673,7 +9777,7 @@
               </a:rPr>
               <a:t>.</a:t>
             </a:r>
-            <a:endParaRPr lang="en-US" sz="1600"/>
+            <a:endParaRPr lang="en-US" sz="1600" dirty="0"/>
           </a:p>
           <a:p>
             <a:pPr>
@@ -9682,7 +9786,7 @@
               </a:buClr>
             </a:pPr>
             <a:r>
-              <a:rPr lang="en-US" sz="1800" b="1" err="1">
+              <a:rPr lang="en-US" sz="1800" b="1" dirty="0" err="1">
                 <a:ea typeface="+mn-lt"/>
                 <a:cs typeface="+mn-lt"/>
               </a:rPr>
@@ -9716,7 +9820,7 @@
               </a:rPr>
               <a:t>https://github.com/Leaflet/Leaflet</a:t>
             </a:r>
-            <a:endParaRPr lang="en-US" sz="1600"/>
+            <a:endParaRPr lang="en-US" sz="1600" dirty="0"/>
           </a:p>
           <a:p>
             <a:pPr>
@@ -9766,7 +9870,7 @@
                   <a:spcPts val="600"/>
                 </a:spcAft>
               </a:pPr>
-              <a:t>11/5/2023</a:t>
+              <a:t>11/8/2023</a:t>
             </a:fld>
             <a:endParaRPr lang="en-US"/>
           </a:p>
